--- a/contextualizacao.pptx
+++ b/contextualizacao.pptx
@@ -211,7 +211,7 @@
             <a:pPr rtl="0"/>
             <a:fld id="{81A56B8B-90F6-41EC-AC37-F033ED2A57FF}" type="datetime1">
               <a:rPr lang="pt-BR" smtClean="0"/>
-              <a:t>17/09/2020</a:t>
+              <a:t>21/09/2020</a:t>
             </a:fld>
             <a:endParaRPr lang="en-US" dirty="0"/>
           </a:p>
@@ -381,7 +381,7 @@
             <a:pPr rtl="0"/>
             <a:fld id="{CBA983AA-2481-4371-917C-6457CA055053}" type="datetime1">
               <a:rPr lang="pt-BR" smtClean="0"/>
-              <a:t>17/09/2020</a:t>
+              <a:t>21/09/2020</a:t>
             </a:fld>
             <a:endParaRPr lang="en-US"/>
           </a:p>
@@ -1126,7 +1126,7 @@
             <a:pPr rtl="0"/>
             <a:fld id="{A97FF641-F313-4AD0-BA92-8145B9101A50}" type="datetime1">
               <a:rPr lang="pt-BR" smtClean="0"/>
-              <a:t>17/09/2020</a:t>
+              <a:t>21/09/2020</a:t>
             </a:fld>
             <a:endParaRPr lang="en-US" dirty="0"/>
           </a:p>
@@ -1332,7 +1332,7 @@
             <a:pPr rtl="0"/>
             <a:fld id="{9D288EE4-F830-4159-BFF9-E721BA7AE0AB}" type="datetime1">
               <a:rPr lang="pt-BR" smtClean="0"/>
-              <a:t>17/09/2020</a:t>
+              <a:t>21/09/2020</a:t>
             </a:fld>
             <a:endParaRPr lang="en-US"/>
           </a:p>
@@ -1516,7 +1516,7 @@
             <a:pPr rtl="0"/>
             <a:fld id="{006B8899-C6DA-43D3-8986-CFC20CD4B104}" type="datetime1">
               <a:rPr lang="pt-BR" smtClean="0"/>
-              <a:t>17/09/2020</a:t>
+              <a:t>21/09/2020</a:t>
             </a:fld>
             <a:endParaRPr lang="en-US"/>
           </a:p>
@@ -1690,7 +1690,7 @@
             <a:pPr rtl="0"/>
             <a:fld id="{B6E62EC5-0DC6-4A78-BB05-D67BCA50AA36}" type="datetime1">
               <a:rPr lang="pt-BR" smtClean="0"/>
-              <a:t>17/09/2020</a:t>
+              <a:t>21/09/2020</a:t>
             </a:fld>
             <a:endParaRPr lang="en-US"/>
           </a:p>
@@ -2293,7 +2293,7 @@
             <a:pPr rtl="0"/>
             <a:fld id="{0D1A4693-2F41-43D3-BCDB-D5059F2986DB}" type="datetime1">
               <a:rPr lang="pt-BR" smtClean="0"/>
-              <a:t>17/09/2020</a:t>
+              <a:t>21/09/2020</a:t>
             </a:fld>
             <a:endParaRPr lang="en-US" dirty="0"/>
           </a:p>
@@ -2617,7 +2617,7 @@
             <a:pPr rtl="0"/>
             <a:fld id="{5BBB8AB2-DE16-44F3-8F59-40B18FC602F6}" type="datetime1">
               <a:rPr lang="pt-BR" smtClean="0"/>
-              <a:t>17/09/2020</a:t>
+              <a:t>21/09/2020</a:t>
             </a:fld>
             <a:endParaRPr lang="en-US"/>
           </a:p>
@@ -3058,7 +3058,7 @@
             <a:pPr rtl="0"/>
             <a:fld id="{5ACA5D35-0539-48FA-A753-0871E1ECAF0D}" type="datetime1">
               <a:rPr lang="pt-BR" smtClean="0"/>
-              <a:t>17/09/2020</a:t>
+              <a:t>21/09/2020</a:t>
             </a:fld>
             <a:endParaRPr lang="en-US"/>
           </a:p>
@@ -3180,7 +3180,7 @@
             <a:pPr rtl="0"/>
             <a:fld id="{5BA371F0-AB78-4B7A-B042-3B5D124F9CC4}" type="datetime1">
               <a:rPr lang="pt-BR" smtClean="0"/>
-              <a:t>17/09/2020</a:t>
+              <a:t>21/09/2020</a:t>
             </a:fld>
             <a:endParaRPr lang="en-US"/>
           </a:p>
@@ -3278,7 +3278,7 @@
             <a:pPr rtl="0"/>
             <a:fld id="{C3E59013-4240-4BCB-9D6D-0402FB62C003}" type="datetime1">
               <a:rPr lang="pt-BR" smtClean="0"/>
-              <a:t>17/09/2020</a:t>
+              <a:t>21/09/2020</a:t>
             </a:fld>
             <a:endParaRPr lang="en-US"/>
           </a:p>
@@ -3699,7 +3699,7 @@
             <a:pPr rtl="0"/>
             <a:fld id="{590243F5-F020-403B-84E8-3610E6C6CB4F}" type="datetime1">
               <a:rPr lang="pt-BR" smtClean="0"/>
-              <a:t>17/09/2020</a:t>
+              <a:t>21/09/2020</a:t>
             </a:fld>
             <a:endParaRPr lang="en-US"/>
           </a:p>
@@ -3964,7 +3964,7 @@
             <a:pPr rtl="0"/>
             <a:fld id="{5D7AD476-FCE1-4F4C-AFD1-546A99681531}" type="datetime1">
               <a:rPr lang="pt-BR" smtClean="0"/>
-              <a:t>17/09/2020</a:t>
+              <a:t>21/09/2020</a:t>
             </a:fld>
             <a:endParaRPr lang="en-US" dirty="0"/>
           </a:p>
@@ -4484,7 +4484,7 @@
             <a:pPr rtl="0"/>
             <a:fld id="{2643713A-F4DD-4FBD-9DD6-C5B4A339B115}" type="datetime1">
               <a:rPr lang="pt-BR" smtClean="0"/>
-              <a:t>17/09/2020</a:t>
+              <a:t>21/09/2020</a:t>
             </a:fld>
             <a:endParaRPr lang="en-US" dirty="0"/>
           </a:p>
@@ -5923,7 +5923,7 @@
             </a:pPr>
             <a:r>
               <a:rPr lang="pt-BR" dirty="0"/>
-              <a:t>Economia com água e luz na estufa</a:t>
+              <a:t>Excesso de gasto com energia elétrica  </a:t>
             </a:r>
           </a:p>
           <a:p>
@@ -5940,7 +5940,7 @@
             </a:pPr>
             <a:r>
               <a:rPr lang="pt-BR" dirty="0"/>
-              <a:t>Economia com mão de obra </a:t>
+              <a:t>Excesso de gasto com mão de obra</a:t>
             </a:r>
           </a:p>
           <a:p>
